--- a/slides/ABC_Bank_Churn_Recommendations.pptx
+++ b/slides/ABC_Bank_Churn_Recommendations.pptx
@@ -3113,7 +3113,7 @@
           <a:lstStyle/>
           <a:p>
             <a:r>
-              <a:t>ABC Bank Churn Analysis</a:t>
+              <a:t>ABC Bank Customer Churn Analysis</a:t>
             </a:r>
           </a:p>
         </p:txBody>
@@ -3134,12 +3134,13 @@
           <a:lstStyle/>
           <a:p>
             <a:r>
-              <a:t>Executive Recommendations</a:t>
-            </a:r>
-          </a:p>
-          <a:p>
-            <a:r>
-              <a:t>Data-Driven Retention Strategy</a:t>
+              <a:t>Executive Summary | Data-Driven Retention Strategy</a:t>
+            </a:r>
+          </a:p>
+          <a:p/>
+          <a:p>
+            <a:r>
+              <a:t>Charles Walton – Data Analyst Consultant</a:t>
             </a:r>
           </a:p>
         </p:txBody>
@@ -3178,7 +3179,7 @@
           <a:lstStyle/>
           <a:p>
             <a:r>
-              <a:t>Conclusion</a:t>
+              <a:t>KPI – Product Holding vs Churn</a:t>
             </a:r>
           </a:p>
         </p:txBody>
@@ -3197,19 +3198,23 @@
         <p:txBody>
           <a:bodyPr/>
           <a:lstStyle/>
-          <a:p>
-            <a:r>
-              <a:t>Churn can be predicted using customer data</a:t>
-            </a:r>
-          </a:p>
-          <a:p>
-            <a:r>
-              <a:t>Targeted strategies reduce attrition</a:t>
-            </a:r>
-          </a:p>
-          <a:p>
-            <a:r>
-              <a:t>ABC Bank can improve long-term profitability</a:t>
+          <a:p/>
+          <a:p>
+            <a:pPr lvl="1"/>
+            <a:r>
+              <a:t>Measures churn across product ownership levels</a:t>
+            </a:r>
+          </a:p>
+          <a:p>
+            <a:pPr lvl="1"/>
+            <a:r>
+              <a:t>Identifies complexity and service friction risks</a:t>
+            </a:r>
+          </a:p>
+          <a:p>
+            <a:pPr lvl="1"/>
+            <a:r>
+              <a:t>Supports product simplification and bundling strategies</a:t>
             </a:r>
           </a:p>
         </p:txBody>
@@ -3248,7 +3253,7 @@
           <a:lstStyle/>
           <a:p>
             <a:r>
-              <a:t>Agenda</a:t>
+              <a:t>Business Objective</a:t>
             </a:r>
           </a:p>
         </p:txBody>
@@ -3267,24 +3272,23 @@
         <p:txBody>
           <a:bodyPr/>
           <a:lstStyle/>
-          <a:p>
-            <a:r>
-              <a:t>Overview of churn challenges</a:t>
-            </a:r>
-          </a:p>
-          <a:p>
-            <a:r>
-              <a:t>Key analytical insights</a:t>
-            </a:r>
-          </a:p>
-          <a:p>
-            <a:r>
-              <a:t>Strategic recommendations</a:t>
-            </a:r>
-          </a:p>
-          <a:p>
-            <a:r>
-              <a:t>Expected business impact</a:t>
+          <a:p/>
+          <a:p>
+            <a:pPr lvl="1"/>
+            <a:r>
+              <a:t>Identify drivers of customer churn across demographics, products, and regions</a:t>
+            </a:r>
+          </a:p>
+          <a:p>
+            <a:pPr lvl="1"/>
+            <a:r>
+              <a:t>Quantify churn risk and prioritize high-impact retention opportunities</a:t>
+            </a:r>
+          </a:p>
+          <a:p>
+            <a:pPr lvl="1"/>
+            <a:r>
+              <a:t>Provide executive-ready recommendations to improve customer lifetime value</a:t>
             </a:r>
           </a:p>
         </p:txBody>
@@ -3323,7 +3327,7 @@
           <a:lstStyle/>
           <a:p>
             <a:r>
-              <a:t>Key Insights Summary</a:t>
+              <a:t>Key Insight 1 – Demographics &amp; Geography</a:t>
             </a:r>
           </a:p>
         </p:txBody>
@@ -3342,34 +3346,23 @@
         <p:txBody>
           <a:bodyPr/>
           <a:lstStyle/>
-          <a:p>
-            <a:r>
-              <a:t>Higher churn among older customers</a:t>
-            </a:r>
-          </a:p>
-          <a:p>
-            <a:r>
-              <a:t>Germany has significantly higher churn rates</a:t>
-            </a:r>
-          </a:p>
-          <a:p>
-            <a:r>
-              <a:t>High-balance customers are more likely to churn</a:t>
-            </a:r>
-          </a:p>
-          <a:p>
-            <a:r>
-              <a:t>Female customers churn more than male customers</a:t>
-            </a:r>
-          </a:p>
-          <a:p>
-            <a:r>
-              <a:t>Diamond cardholders show the highest churn rates</a:t>
-            </a:r>
-          </a:p>
-          <a:p>
-            <a:r>
-              <a:t>Lower credit scores correlate with higher churn</a:t>
+          <a:p/>
+          <a:p>
+            <a:pPr lvl="1"/>
+            <a:r>
+              <a:t>Customers aged 50+ show significantly higher churn propensity</a:t>
+            </a:r>
+          </a:p>
+          <a:p>
+            <a:pPr lvl="1"/>
+            <a:r>
+              <a:t>Germany exhibits the highest churn rate compared to other regions</a:t>
+            </a:r>
+          </a:p>
+          <a:p>
+            <a:pPr lvl="1"/>
+            <a:r>
+              <a:t>Female customers churn at a higher rate than male customers</a:t>
             </a:r>
           </a:p>
         </p:txBody>
@@ -3408,7 +3401,7 @@
           <a:lstStyle/>
           <a:p>
             <a:r>
-              <a:t>Recommendation 1: Protect High-Value Customers</a:t>
+              <a:t>Key Insight 2 – Products &amp; Engagement</a:t>
             </a:r>
           </a:p>
         </p:txBody>
@@ -3427,19 +3420,23 @@
         <p:txBody>
           <a:bodyPr/>
           <a:lstStyle/>
-          <a:p>
-            <a:r>
-              <a:t>Proactively engage high-balance customers</a:t>
-            </a:r>
-          </a:p>
-          <a:p>
-            <a:r>
-              <a:t>Introduce loyalty incentives and rewards</a:t>
-            </a:r>
-          </a:p>
-          <a:p>
-            <a:r>
-              <a:t>Assign dedicated relationship managers</a:t>
+          <a:p/>
+          <a:p>
+            <a:pPr lvl="1"/>
+            <a:r>
+              <a:t>Customers with 3–4 products churn more than those with 1–2 products</a:t>
+            </a:r>
+          </a:p>
+          <a:p>
+            <a:pPr lvl="1"/>
+            <a:r>
+              <a:t>Inactive members are significantly more likely to exit</a:t>
+            </a:r>
+          </a:p>
+          <a:p>
+            <a:pPr lvl="1"/>
+            <a:r>
+              <a:t>Diamond cardholders show the highest churn rate among card types</a:t>
             </a:r>
           </a:p>
         </p:txBody>
@@ -3478,7 +3475,7 @@
           <a:lstStyle/>
           <a:p>
             <a:r>
-              <a:t>Recommendation 2: Address Regional Churn</a:t>
+              <a:t>Key Insight 3 – Financial Indicators</a:t>
             </a:r>
           </a:p>
         </p:txBody>
@@ -3497,19 +3494,23 @@
         <p:txBody>
           <a:bodyPr/>
           <a:lstStyle/>
-          <a:p>
-            <a:r>
-              <a:t>Investigate churn drivers in Germany</a:t>
-            </a:r>
-          </a:p>
-          <a:p>
-            <a:r>
-              <a:t>Improve service delivery in high-churn regions</a:t>
-            </a:r>
-          </a:p>
-          <a:p>
-            <a:r>
-              <a:t>Launch region-specific retention campaigns</a:t>
+          <a:p/>
+          <a:p>
+            <a:pPr lvl="1"/>
+            <a:r>
+              <a:t>High-balance customers are more likely to churn than low-balance customers</a:t>
+            </a:r>
+          </a:p>
+          <a:p>
+            <a:pPr lvl="1"/>
+            <a:r>
+              <a:t>Lower credit scores correlate with higher churn risk</a:t>
+            </a:r>
+          </a:p>
+          <a:p>
+            <a:pPr lvl="1"/>
+            <a:r>
+              <a:t>Tenure reduces churn slightly, but risk persists across all years</a:t>
             </a:r>
           </a:p>
         </p:txBody>
@@ -3548,7 +3549,7 @@
           <a:lstStyle/>
           <a:p>
             <a:r>
-              <a:t>Recommendation 3: Improve Product Experience</a:t>
+              <a:t>Strategic Recommendations</a:t>
             </a:r>
           </a:p>
         </p:txBody>
@@ -3567,19 +3568,29 @@
         <p:txBody>
           <a:bodyPr/>
           <a:lstStyle/>
-          <a:p>
-            <a:r>
-              <a:t>Simplify product bundles for multi-product customers</a:t>
-            </a:r>
-          </a:p>
-          <a:p>
-            <a:r>
-              <a:t>Enhance communication around product benefits</a:t>
-            </a:r>
-          </a:p>
-          <a:p>
-            <a:r>
-              <a:t>Reduce service complexity</a:t>
+          <a:p/>
+          <a:p>
+            <a:pPr lvl="1"/>
+            <a:r>
+              <a:t>Deploy targeted retention programs for high-balance and senior customers</a:t>
+            </a:r>
+          </a:p>
+          <a:p>
+            <a:pPr lvl="1"/>
+            <a:r>
+              <a:t>Redesign Diamond card benefits to improve perceived value</a:t>
+            </a:r>
+          </a:p>
+          <a:p>
+            <a:pPr lvl="1"/>
+            <a:r>
+              <a:t>Introduce engagement incentives for inactive members</a:t>
+            </a:r>
+          </a:p>
+          <a:p>
+            <a:pPr lvl="1"/>
+            <a:r>
+              <a:t>Launch region-specific interventions for Germany</a:t>
             </a:r>
           </a:p>
         </p:txBody>
@@ -3618,7 +3629,7 @@
           <a:lstStyle/>
           <a:p>
             <a:r>
-              <a:t>Recommendation 4: Segment-Based Engagement</a:t>
+              <a:t>Expected Business Impact</a:t>
             </a:r>
           </a:p>
         </p:txBody>
@@ -3637,19 +3648,29 @@
         <p:txBody>
           <a:bodyPr/>
           <a:lstStyle/>
-          <a:p>
-            <a:r>
-              <a:t>Develop gender-focused engagement strategies</a:t>
-            </a:r>
-          </a:p>
-          <a:p>
-            <a:r>
-              <a:t>Reassess value proposition for Diamond cardholders</a:t>
-            </a:r>
-          </a:p>
-          <a:p>
-            <a:r>
-              <a:t>Strengthen premium customer onboarding</a:t>
+          <a:p/>
+          <a:p>
+            <a:pPr lvl="1"/>
+            <a:r>
+              <a:t>3–5% reduction in annual churn rate</a:t>
+            </a:r>
+          </a:p>
+          <a:p>
+            <a:pPr lvl="1"/>
+            <a:r>
+              <a:t>Increased customer lifetime value through improved retention</a:t>
+            </a:r>
+          </a:p>
+          <a:p>
+            <a:pPr lvl="1"/>
+            <a:r>
+              <a:t>Improved marketing ROI via targeted interventions</a:t>
+            </a:r>
+          </a:p>
+          <a:p>
+            <a:pPr lvl="1"/>
+            <a:r>
+              <a:t>Stronger customer satisfaction and loyalty metrics</a:t>
             </a:r>
           </a:p>
         </p:txBody>
@@ -3688,7 +3709,7 @@
           <a:lstStyle/>
           <a:p>
             <a:r>
-              <a:t>Recommendation 5: Early Churn Detection</a:t>
+              <a:t>KPI – Overall Churn Rate</a:t>
             </a:r>
           </a:p>
         </p:txBody>
@@ -3707,19 +3728,23 @@
         <p:txBody>
           <a:bodyPr/>
           <a:lstStyle/>
-          <a:p>
-            <a:r>
-              <a:t>Monitor low credit score customers closely</a:t>
-            </a:r>
-          </a:p>
-          <a:p>
-            <a:r>
-              <a:t>Use complaints and satisfaction data proactively</a:t>
-            </a:r>
-          </a:p>
-          <a:p>
-            <a:r>
-              <a:t>Implement churn-risk dashboards</a:t>
+          <a:p/>
+          <a:p>
+            <a:pPr lvl="1"/>
+            <a:r>
+              <a:t>Tracks percentage of customers exiting the bank</a:t>
+            </a:r>
+          </a:p>
+          <a:p>
+            <a:pPr lvl="1"/>
+            <a:r>
+              <a:t>Primary indicator of retention performance</a:t>
+            </a:r>
+          </a:p>
+          <a:p>
+            <a:pPr lvl="1"/>
+            <a:r>
+              <a:t>Used to measure success of churn reduction initiatives</a:t>
             </a:r>
           </a:p>
         </p:txBody>
@@ -3758,7 +3783,7 @@
           <a:lstStyle/>
           <a:p>
             <a:r>
-              <a:t>Expected Business Impact</a:t>
+              <a:t>KPI – Churn by Geography</a:t>
             </a:r>
           </a:p>
         </p:txBody>
@@ -3777,24 +3802,23 @@
         <p:txBody>
           <a:bodyPr/>
           <a:lstStyle/>
-          <a:p>
-            <a:r>
-              <a:t>Lower customer churn rates</a:t>
-            </a:r>
-          </a:p>
-          <a:p>
-            <a:r>
-              <a:t>Improved retention of high-value customers</a:t>
-            </a:r>
-          </a:p>
-          <a:p>
-            <a:r>
-              <a:t>Higher customer lifetime value (CLV)</a:t>
-            </a:r>
-          </a:p>
-          <a:p>
-            <a:r>
-              <a:t>More efficient marketing and loyalty spending</a:t>
+          <a:p/>
+          <a:p>
+            <a:pPr lvl="1"/>
+            <a:r>
+              <a:t>Highlights regional risk concentrations</a:t>
+            </a:r>
+          </a:p>
+          <a:p>
+            <a:pPr lvl="1"/>
+            <a:r>
+              <a:t>Supports location-specific retention strategies</a:t>
+            </a:r>
+          </a:p>
+          <a:p>
+            <a:pPr lvl="1"/>
+            <a:r>
+              <a:t>Germany identified as highest-risk region</a:t>
             </a:r>
           </a:p>
         </p:txBody>
